--- a/fcn -hpcsa.pptx
+++ b/fcn -hpcsa.pptx
@@ -109,7 +109,7 @@
         <p:txBody>
           <a:bodyPr/>
           <a:p>
-            <a:fld id="{22E880EC-54C8-4439-B30E-0E5F4790BDAA}" type="slidenum">
+            <a:fld id="{EDE0D975-BDFF-4637-8412-2410D2EE934D}" type="slidenum">
               <a:t>&lt;#&gt;</a:t>
             </a:fld>
           </a:p>
@@ -297,7 +297,7 @@
         <p:txBody>
           <a:bodyPr/>
           <a:p>
-            <a:fld id="{910066D0-B170-45BC-8305-E4AA7467E22E}" type="slidenum">
+            <a:fld id="{B56A915A-1739-46BE-9538-9F14DF415024}" type="slidenum">
               <a:t>&lt;#&gt;</a:t>
             </a:fld>
           </a:p>
@@ -553,7 +553,7 @@
         <p:txBody>
           <a:bodyPr/>
           <a:p>
-            <a:fld id="{81ACCEB8-0251-4E35-8083-8C83240AFDCE}" type="slidenum">
+            <a:fld id="{BFA021CA-1AED-4E3A-AAE9-CCD228AFCCD9}" type="slidenum">
               <a:t>&lt;#&gt;</a:t>
             </a:fld>
           </a:p>
@@ -877,7 +877,7 @@
         <p:txBody>
           <a:bodyPr/>
           <a:p>
-            <a:fld id="{A1A4D4BB-78B4-4249-8E00-53E55952AA7A}" type="slidenum">
+            <a:fld id="{1C3A8E3E-4F9D-4EA0-9A15-79806904EE63}" type="slidenum">
               <a:t>&lt;#&gt;</a:t>
             </a:fld>
           </a:p>
@@ -960,7 +960,7 @@
         <p:txBody>
           <a:bodyPr/>
           <a:p>
-            <a:fld id="{85571BE8-4983-4CA0-8008-7C7AD7121955}" type="slidenum">
+            <a:fld id="{85E59D5B-3056-4D00-A1E2-290F988D4546}" type="slidenum">
               <a:t>&lt;#&gt;</a:t>
             </a:fld>
           </a:p>
@@ -1117,7 +1117,7 @@
         <p:txBody>
           <a:bodyPr/>
           <a:p>
-            <a:fld id="{6558161F-DD2C-4806-A3CB-623FC90ADFE0}" type="slidenum">
+            <a:fld id="{8D0373B4-62E7-4F0A-A73F-2916711CAB98}" type="slidenum">
               <a:t>&lt;#&gt;</a:t>
             </a:fld>
           </a:p>
@@ -1271,7 +1271,7 @@
         <p:txBody>
           <a:bodyPr/>
           <a:p>
-            <a:fld id="{8DFAEE59-76AF-4170-B6F8-FD3CF4263BC7}" type="slidenum">
+            <a:fld id="{8B640B15-5C58-4273-9E39-19EA5DFD63C4}" type="slidenum">
               <a:t>&lt;#&gt;</a:t>
             </a:fld>
           </a:p>
@@ -1459,7 +1459,7 @@
         <p:txBody>
           <a:bodyPr/>
           <a:p>
-            <a:fld id="{CDA693CA-0B38-4455-99FC-33672914E3DC}" type="slidenum">
+            <a:fld id="{11C2E7B0-F130-4836-A495-693661DF4AED}" type="slidenum">
               <a:t>&lt;#&gt;</a:t>
             </a:fld>
           </a:p>
@@ -1579,7 +1579,7 @@
         <p:txBody>
           <a:bodyPr/>
           <a:p>
-            <a:fld id="{5F20944E-8FA4-41BE-9A60-030858C5469A}" type="slidenum">
+            <a:fld id="{86AC4EAB-D7C5-4F8E-A700-74123FD59E12}" type="slidenum">
               <a:t>&lt;#&gt;</a:t>
             </a:fld>
           </a:p>
@@ -1699,7 +1699,7 @@
         <p:txBody>
           <a:bodyPr/>
           <a:p>
-            <a:fld id="{8489BB5A-98F3-46A3-B6C0-6F30B20D86AB}" type="slidenum">
+            <a:fld id="{DAF2617C-A6CB-4E5F-B9E5-E07BBB3454BC}" type="slidenum">
               <a:t>&lt;#&gt;</a:t>
             </a:fld>
           </a:p>
@@ -1921,7 +1921,7 @@
         <p:txBody>
           <a:bodyPr/>
           <a:p>
-            <a:fld id="{9267D5E7-9E29-4B9A-97FE-32BF8A10620D}" type="slidenum">
+            <a:fld id="{F734863D-B1C4-4333-84AA-870C64731D68}" type="slidenum">
               <a:t>&lt;#&gt;</a:t>
             </a:fld>
           </a:p>
@@ -2078,7 +2078,7 @@
         <p:txBody>
           <a:bodyPr/>
           <a:p>
-            <a:fld id="{7C15989F-806C-4B30-8E1B-DBAA8D4F7E1B}" type="slidenum">
+            <a:fld id="{EC1439D4-A35E-4CF1-BD2A-DBDF37C12B26}" type="slidenum">
               <a:t>&lt;#&gt;</a:t>
             </a:fld>
           </a:p>
@@ -2300,7 +2300,7 @@
         <p:txBody>
           <a:bodyPr/>
           <a:p>
-            <a:fld id="{25633F19-BDC6-43BB-8B3A-5AC8436EF0AA}" type="slidenum">
+            <a:fld id="{D2943F98-A361-4611-A9C4-EFCCB1BE8063}" type="slidenum">
               <a:t>&lt;#&gt;</a:t>
             </a:fld>
           </a:p>
@@ -2522,7 +2522,7 @@
         <p:txBody>
           <a:bodyPr/>
           <a:p>
-            <a:fld id="{E741C575-5036-4831-840F-BDC2685EA579}" type="slidenum">
+            <a:fld id="{CFAE48E1-66C0-4034-8280-AB5FD07FC760}" type="slidenum">
               <a:t>&lt;#&gt;</a:t>
             </a:fld>
           </a:p>
@@ -2710,7 +2710,7 @@
         <p:txBody>
           <a:bodyPr/>
           <a:p>
-            <a:fld id="{D67BD48C-0E14-454C-8E01-59E2A0DC32D8}" type="slidenum">
+            <a:fld id="{73D8B853-7BC0-42F1-822B-8FC9FABF7091}" type="slidenum">
               <a:t>&lt;#&gt;</a:t>
             </a:fld>
           </a:p>
@@ -2966,7 +2966,7 @@
         <p:txBody>
           <a:bodyPr/>
           <a:p>
-            <a:fld id="{46A636BF-7155-4E8C-8ACB-AD4E759F59A6}" type="slidenum">
+            <a:fld id="{9425501D-40BB-498B-9A28-87D75E62F541}" type="slidenum">
               <a:t>&lt;#&gt;</a:t>
             </a:fld>
           </a:p>
@@ -3290,7 +3290,7 @@
         <p:txBody>
           <a:bodyPr/>
           <a:p>
-            <a:fld id="{634DCEC0-F64B-4B01-BBD6-A232863FB7B9}" type="slidenum">
+            <a:fld id="{D082A890-BB8D-4EBF-8560-5156AA99489A}" type="slidenum">
               <a:t>&lt;#&gt;</a:t>
             </a:fld>
           </a:p>
@@ -3373,7 +3373,7 @@
         <p:txBody>
           <a:bodyPr/>
           <a:p>
-            <a:fld id="{1078C407-B3EA-4726-BB1E-73604C6E3DEF}" type="slidenum">
+            <a:fld id="{A31230A4-48A3-4B84-B0E5-48BCD2A4878E}" type="slidenum">
               <a:t>&lt;#&gt;</a:t>
             </a:fld>
           </a:p>
@@ -3530,7 +3530,7 @@
         <p:txBody>
           <a:bodyPr/>
           <a:p>
-            <a:fld id="{9379CFDD-DEAF-4974-B2FC-BB2D7F95FE3B}" type="slidenum">
+            <a:fld id="{50A5A295-AE95-4FCB-A4C5-50C6393BD4D2}" type="slidenum">
               <a:t>&lt;#&gt;</a:t>
             </a:fld>
           </a:p>
@@ -3684,7 +3684,7 @@
         <p:txBody>
           <a:bodyPr/>
           <a:p>
-            <a:fld id="{B0F72B81-3714-405F-B8FA-E42287F831BF}" type="slidenum">
+            <a:fld id="{3BD9DC5E-9C7C-473C-B1CA-CD789AE09243}" type="slidenum">
               <a:t>&lt;#&gt;</a:t>
             </a:fld>
           </a:p>
@@ -3872,7 +3872,7 @@
         <p:txBody>
           <a:bodyPr/>
           <a:p>
-            <a:fld id="{9DC2DEDD-37B6-4F7A-B6AE-175E71577485}" type="slidenum">
+            <a:fld id="{DE87000E-E396-4023-A4B3-87A4E39701C1}" type="slidenum">
               <a:t>&lt;#&gt;</a:t>
             </a:fld>
           </a:p>
@@ -3992,7 +3992,7 @@
         <p:txBody>
           <a:bodyPr/>
           <a:p>
-            <a:fld id="{9A9270CE-F6F5-4CC2-B4F0-FCED9A145D53}" type="slidenum">
+            <a:fld id="{9ED5DD73-A0C9-4D5B-85EA-4FD21568314C}" type="slidenum">
               <a:t>&lt;#&gt;</a:t>
             </a:fld>
           </a:p>
@@ -4146,7 +4146,7 @@
         <p:txBody>
           <a:bodyPr/>
           <a:p>
-            <a:fld id="{BBC8224C-65FF-43DD-8FF8-538163EE0798}" type="slidenum">
+            <a:fld id="{0D14EDF9-A27F-48F2-B049-4DC5BA24BC6D}" type="slidenum">
               <a:t>&lt;#&gt;</a:t>
             </a:fld>
           </a:p>
@@ -4266,7 +4266,7 @@
         <p:txBody>
           <a:bodyPr/>
           <a:p>
-            <a:fld id="{6FFE17A3-7ED3-4DF3-8461-657BC0FEBE5F}" type="slidenum">
+            <a:fld id="{BFD55DB5-D2C3-4AEC-A75E-CB56863DFE7F}" type="slidenum">
               <a:t>&lt;#&gt;</a:t>
             </a:fld>
           </a:p>
@@ -4488,7 +4488,7 @@
         <p:txBody>
           <a:bodyPr/>
           <a:p>
-            <a:fld id="{C8F399C4-C850-4C10-977B-D981314A0385}" type="slidenum">
+            <a:fld id="{AD8008E6-4330-43B5-B3B1-2D55CCEB33F0}" type="slidenum">
               <a:t>&lt;#&gt;</a:t>
             </a:fld>
           </a:p>
@@ -4710,7 +4710,7 @@
         <p:txBody>
           <a:bodyPr/>
           <a:p>
-            <a:fld id="{8FE24E3F-9546-4A35-8B5D-416219FEEA43}" type="slidenum">
+            <a:fld id="{83004744-C959-4AC5-923D-17CB044ED6CE}" type="slidenum">
               <a:t>&lt;#&gt;</a:t>
             </a:fld>
           </a:p>
@@ -4932,7 +4932,7 @@
         <p:txBody>
           <a:bodyPr/>
           <a:p>
-            <a:fld id="{F8377EF0-BAEB-466F-A140-4D7BCB2F1B56}" type="slidenum">
+            <a:fld id="{262F5F2C-CC5A-4A7B-AC82-1B929B21798B}" type="slidenum">
               <a:t>&lt;#&gt;</a:t>
             </a:fld>
           </a:p>
@@ -5120,7 +5120,7 @@
         <p:txBody>
           <a:bodyPr/>
           <a:p>
-            <a:fld id="{70705541-BD5C-4F67-BDA6-F692D5CBF467}" type="slidenum">
+            <a:fld id="{B287E8D9-D6DF-4CCC-913D-3006757C9F22}" type="slidenum">
               <a:t>&lt;#&gt;</a:t>
             </a:fld>
           </a:p>
@@ -5376,7 +5376,7 @@
         <p:txBody>
           <a:bodyPr/>
           <a:p>
-            <a:fld id="{D87A5E42-CBDD-4822-87B1-EBC34AD99069}" type="slidenum">
+            <a:fld id="{D4A4B20C-885B-4239-91E5-6665BB865C84}" type="slidenum">
               <a:t>&lt;#&gt;</a:t>
             </a:fld>
           </a:p>
@@ -5700,7 +5700,7 @@
         <p:txBody>
           <a:bodyPr/>
           <a:p>
-            <a:fld id="{703CDCE5-4A87-4CF9-B8AD-B7A607E5329D}" type="slidenum">
+            <a:fld id="{ED08D0CB-F3FD-42BE-8869-25E4305651E3}" type="slidenum">
               <a:t>&lt;#&gt;</a:t>
             </a:fld>
           </a:p>
@@ -5888,7 +5888,7 @@
         <p:txBody>
           <a:bodyPr/>
           <a:p>
-            <a:fld id="{35FEE414-AEC4-4418-9ECC-D916FE9D32E4}" type="slidenum">
+            <a:fld id="{C00129E4-F31A-4CE8-B997-C860658BDEFA}" type="slidenum">
               <a:t>&lt;#&gt;</a:t>
             </a:fld>
           </a:p>
@@ -6008,7 +6008,7 @@
         <p:txBody>
           <a:bodyPr/>
           <a:p>
-            <a:fld id="{1BCAA7DB-F922-4929-8D94-E2CE677F7F6B}" type="slidenum">
+            <a:fld id="{6D0D58E2-A8F2-438D-B035-FD3952B122F0}" type="slidenum">
               <a:t>&lt;#&gt;</a:t>
             </a:fld>
           </a:p>
@@ -6128,7 +6128,7 @@
         <p:txBody>
           <a:bodyPr/>
           <a:p>
-            <a:fld id="{560B5FA1-26ED-4E04-BF3F-2F833B8559CA}" type="slidenum">
+            <a:fld id="{B8E04998-1A74-4696-BFDC-D34C8438B8D6}" type="slidenum">
               <a:t>&lt;#&gt;</a:t>
             </a:fld>
           </a:p>
@@ -6350,7 +6350,7 @@
         <p:txBody>
           <a:bodyPr/>
           <a:p>
-            <a:fld id="{7280143B-F6DE-4C3B-BCB3-220E2981E01F}" type="slidenum">
+            <a:fld id="{6D24F1AA-2068-4282-A271-1A6BBE33DE29}" type="slidenum">
               <a:t>&lt;#&gt;</a:t>
             </a:fld>
           </a:p>
@@ -6572,7 +6572,7 @@
         <p:txBody>
           <a:bodyPr/>
           <a:p>
-            <a:fld id="{ED5B3B6B-02AF-40D8-95C5-3908FBA1E0A6}" type="slidenum">
+            <a:fld id="{39EA6629-138B-4A11-A591-AE00A29E70EF}" type="slidenum">
               <a:t>&lt;#&gt;</a:t>
             </a:fld>
           </a:p>
@@ -6794,7 +6794,7 @@
         <p:txBody>
           <a:bodyPr/>
           <a:p>
-            <a:fld id="{26C5DB2A-2592-4460-9CBD-D9DB3B92F327}" type="slidenum">
+            <a:fld id="{B0CA0A67-80C7-4973-B298-53640A52DEFB}" type="slidenum">
               <a:t>&lt;#&gt;</a:t>
             </a:fld>
           </a:p>
@@ -7178,7 +7178,7 @@
               </a:lnSpc>
               <a:buNone/>
             </a:pPr>
-            <a:fld id="{0E84C00B-A5BD-464E-A5A9-4DE31CB429E1}" type="slidenum">
+            <a:fld id="{55122416-41CD-49C2-8A6F-D13BDC6FB337}" type="slidenum">
               <a:rPr b="0" lang="en-IN" sz="1200" spc="-1" strike="noStrike">
                 <a:solidFill>
                   <a:srgbClr val="8b8b8b"/>
@@ -7389,7 +7389,7 @@
               </a:lnSpc>
               <a:buNone/>
             </a:pPr>
-            <a:fld id="{DCC44125-42C2-4C4F-9677-466F21D5F91C}" type="slidenum">
+            <a:fld id="{FBE2FFCE-2917-4C70-9060-50BAD6789BA5}" type="slidenum">
               <a:rPr b="0" lang="en-IN" sz="1200" spc="-1" strike="noStrike">
                 <a:solidFill>
                   <a:srgbClr val="8b8b8b"/>
@@ -7826,7 +7826,7 @@
               </a:lnSpc>
               <a:buNone/>
             </a:pPr>
-            <a:fld id="{323D9E9C-C0AA-4731-9A1B-36058388DEEA}" type="slidenum">
+            <a:fld id="{52E31E39-3092-4937-95AF-B79CE4684220}" type="slidenum">
               <a:rPr b="0" lang="en-IN" sz="1200" spc="-1" strike="noStrike">
                 <a:solidFill>
                   <a:srgbClr val="8b8b8b"/>
@@ -10677,7 +10677,7 @@
       </p:grpSpPr>
       <p:pic>
         <p:nvPicPr>
-          <p:cNvPr id="160" name="Content Placeholder 1" descr=""/>
+          <p:cNvPr id="160" name="" descr=""/>
           <p:cNvPicPr/>
           <p:nvPr/>
         </p:nvPicPr>
@@ -10687,8 +10687,8 @@
         </p:blipFill>
         <p:spPr>
           <a:xfrm>
-            <a:off x="1842840" y="299880"/>
-            <a:ext cx="8505360" cy="5875920"/>
+            <a:off x="1543680" y="887400"/>
+            <a:ext cx="9153000" cy="5095440"/>
           </a:xfrm>
           <a:prstGeom prst="rect">
             <a:avLst/>
@@ -10781,40 +10781,29 @@
           <a:chExt cx="0" cy="0"/>
         </a:xfrm>
       </p:grpSpPr>
-      <p:sp>
-        <p:nvSpPr>
-          <p:cNvPr id="162" name="PlaceHolder 1"/>
-          <p:cNvSpPr>
-            <a:spLocks noGrp="1"/>
-          </p:cNvSpPr>
-          <p:nvPr>
-            <p:ph/>
-          </p:nvPr>
-        </p:nvSpPr>
-        <p:spPr>
-          <a:xfrm>
-            <a:off x="838080" y="300240"/>
-            <a:ext cx="10514520" cy="5875560"/>
-          </a:xfrm>
-          <a:prstGeom prst="rect">
-            <a:avLst/>
-          </a:prstGeom>
-          <a:noFill/>
-          <a:ln w="0">
-            <a:noFill/>
-          </a:ln>
-        </p:spPr>
-        <p:txBody>
-          <a:bodyPr lIns="90000" rIns="90000" tIns="45000" bIns="45000" anchor="t">
-            <a:noAutofit/>
-          </a:bodyPr>
-          <a:p>
-            <a:endParaRPr b="0" lang="en-IN" sz="3200" spc="-1" strike="noStrike">
-              <a:latin typeface="Arial"/>
-            </a:endParaRPr>
-          </a:p>
-        </p:txBody>
-      </p:sp>
+      <p:pic>
+        <p:nvPicPr>
+          <p:cNvPr id="162" name="" descr=""/>
+          <p:cNvPicPr/>
+          <p:nvPr/>
+        </p:nvPicPr>
+        <p:blipFill>
+          <a:blip r:embed="rId1"/>
+          <a:stretch/>
+        </p:blipFill>
+        <p:spPr>
+          <a:xfrm>
+            <a:off x="837720" y="1538640"/>
+            <a:ext cx="10514520" cy="3398400"/>
+          </a:xfrm>
+          <a:prstGeom prst="rect">
+            <a:avLst/>
+          </a:prstGeom>
+          <a:ln w="0">
+            <a:noFill/>
+          </a:ln>
+        </p:spPr>
+      </p:pic>
     </p:spTree>
   </p:cSld>
   <mc:AlternateContent>
@@ -10898,40 +10887,29 @@
           <a:chExt cx="0" cy="0"/>
         </a:xfrm>
       </p:grpSpPr>
-      <p:sp>
-        <p:nvSpPr>
-          <p:cNvPr id="163" name="PlaceHolder 1"/>
-          <p:cNvSpPr>
-            <a:spLocks noGrp="1"/>
-          </p:cNvSpPr>
-          <p:nvPr>
-            <p:ph/>
-          </p:nvPr>
-        </p:nvSpPr>
-        <p:spPr>
-          <a:xfrm>
-            <a:off x="838080" y="300240"/>
-            <a:ext cx="10514520" cy="5875560"/>
-          </a:xfrm>
-          <a:prstGeom prst="rect">
-            <a:avLst/>
-          </a:prstGeom>
-          <a:noFill/>
-          <a:ln w="0">
-            <a:noFill/>
-          </a:ln>
-        </p:spPr>
-        <p:txBody>
-          <a:bodyPr lIns="90000" rIns="90000" tIns="45000" bIns="45000" anchor="t">
-            <a:noAutofit/>
-          </a:bodyPr>
-          <a:p>
-            <a:endParaRPr b="0" lang="en-IN" sz="3200" spc="-1" strike="noStrike">
-              <a:latin typeface="Arial"/>
-            </a:endParaRPr>
-          </a:p>
-        </p:txBody>
-      </p:sp>
+      <p:pic>
+        <p:nvPicPr>
+          <p:cNvPr id="163" name="" descr=""/>
+          <p:cNvPicPr/>
+          <p:nvPr/>
+        </p:nvPicPr>
+        <p:blipFill>
+          <a:blip r:embed="rId1"/>
+          <a:stretch/>
+        </p:blipFill>
+        <p:spPr>
+          <a:xfrm>
+            <a:off x="837720" y="1704240"/>
+            <a:ext cx="10514520" cy="3066840"/>
+          </a:xfrm>
+          <a:prstGeom prst="rect">
+            <a:avLst/>
+          </a:prstGeom>
+          <a:ln w="0">
+            <a:noFill/>
+          </a:ln>
+        </p:spPr>
+      </p:pic>
     </p:spTree>
   </p:cSld>
   <mc:AlternateContent>
@@ -10962,40 +10940,29 @@
           <a:chExt cx="0" cy="0"/>
         </a:xfrm>
       </p:grpSpPr>
-      <p:sp>
-        <p:nvSpPr>
-          <p:cNvPr id="164" name="PlaceHolder 1"/>
-          <p:cNvSpPr>
-            <a:spLocks noGrp="1"/>
-          </p:cNvSpPr>
-          <p:nvPr>
-            <p:ph/>
-          </p:nvPr>
-        </p:nvSpPr>
-        <p:spPr>
-          <a:xfrm>
-            <a:off x="838080" y="300240"/>
-            <a:ext cx="10514520" cy="5875560"/>
-          </a:xfrm>
-          <a:prstGeom prst="rect">
-            <a:avLst/>
-          </a:prstGeom>
-          <a:noFill/>
-          <a:ln w="0">
-            <a:noFill/>
-          </a:ln>
-        </p:spPr>
-        <p:txBody>
-          <a:bodyPr lIns="90000" rIns="90000" tIns="45000" bIns="45000" anchor="t">
-            <a:noAutofit/>
-          </a:bodyPr>
-          <a:p>
-            <a:endParaRPr b="0" lang="en-IN" sz="3200" spc="-1" strike="noStrike">
-              <a:latin typeface="Arial"/>
-            </a:endParaRPr>
-          </a:p>
-        </p:txBody>
-      </p:sp>
+      <p:pic>
+        <p:nvPicPr>
+          <p:cNvPr id="164" name="" descr=""/>
+          <p:cNvPicPr/>
+          <p:nvPr/>
+        </p:nvPicPr>
+        <p:blipFill>
+          <a:blip r:embed="rId1"/>
+          <a:stretch/>
+        </p:blipFill>
+        <p:spPr>
+          <a:xfrm>
+            <a:off x="3450240" y="299880"/>
+            <a:ext cx="5289480" cy="5875560"/>
+          </a:xfrm>
+          <a:prstGeom prst="rect">
+            <a:avLst/>
+          </a:prstGeom>
+          <a:ln w="0">
+            <a:noFill/>
+          </a:ln>
+        </p:spPr>
+      </p:pic>
     </p:spTree>
   </p:cSld>
   <mc:AlternateContent>
@@ -11026,40 +10993,29 @@
           <a:chExt cx="0" cy="0"/>
         </a:xfrm>
       </p:grpSpPr>
-      <p:sp>
-        <p:nvSpPr>
-          <p:cNvPr id="165" name="PlaceHolder 1"/>
-          <p:cNvSpPr>
-            <a:spLocks noGrp="1"/>
-          </p:cNvSpPr>
-          <p:nvPr>
-            <p:ph/>
-          </p:nvPr>
-        </p:nvSpPr>
-        <p:spPr>
-          <a:xfrm>
-            <a:off x="838080" y="300240"/>
-            <a:ext cx="10514520" cy="5875560"/>
-          </a:xfrm>
-          <a:prstGeom prst="rect">
-            <a:avLst/>
-          </a:prstGeom>
-          <a:noFill/>
-          <a:ln w="0">
-            <a:noFill/>
-          </a:ln>
-        </p:spPr>
-        <p:txBody>
-          <a:bodyPr lIns="90000" rIns="90000" tIns="45000" bIns="45000" anchor="t">
-            <a:noAutofit/>
-          </a:bodyPr>
-          <a:p>
-            <a:endParaRPr b="0" lang="en-IN" sz="3200" spc="-1" strike="noStrike">
-              <a:latin typeface="Arial"/>
-            </a:endParaRPr>
-          </a:p>
-        </p:txBody>
-      </p:sp>
+      <p:pic>
+        <p:nvPicPr>
+          <p:cNvPr id="165" name="" descr=""/>
+          <p:cNvPicPr/>
+          <p:nvPr/>
+        </p:nvPicPr>
+        <p:blipFill>
+          <a:blip r:embed="rId1"/>
+          <a:stretch/>
+        </p:blipFill>
+        <p:spPr>
+          <a:xfrm>
+            <a:off x="3613680" y="299880"/>
+            <a:ext cx="4962960" cy="5875560"/>
+          </a:xfrm>
+          <a:prstGeom prst="rect">
+            <a:avLst/>
+          </a:prstGeom>
+          <a:ln w="0">
+            <a:noFill/>
+          </a:ln>
+        </p:spPr>
+      </p:pic>
     </p:spTree>
   </p:cSld>
   <mc:AlternateContent>
@@ -11090,40 +11046,29 @@
           <a:chExt cx="0" cy="0"/>
         </a:xfrm>
       </p:grpSpPr>
-      <p:sp>
-        <p:nvSpPr>
-          <p:cNvPr id="166" name="PlaceHolder 1"/>
-          <p:cNvSpPr>
-            <a:spLocks noGrp="1"/>
-          </p:cNvSpPr>
-          <p:nvPr>
-            <p:ph/>
-          </p:nvPr>
-        </p:nvSpPr>
-        <p:spPr>
-          <a:xfrm>
-            <a:off x="838080" y="300240"/>
-            <a:ext cx="10514520" cy="5875560"/>
-          </a:xfrm>
-          <a:prstGeom prst="rect">
-            <a:avLst/>
-          </a:prstGeom>
-          <a:noFill/>
-          <a:ln w="0">
-            <a:noFill/>
-          </a:ln>
-        </p:spPr>
-        <p:txBody>
-          <a:bodyPr lIns="90000" rIns="90000" tIns="45000" bIns="45000" anchor="t">
-            <a:noAutofit/>
-          </a:bodyPr>
-          <a:p>
-            <a:endParaRPr b="0" lang="en-IN" sz="3200" spc="-1" strike="noStrike">
-              <a:latin typeface="Arial"/>
-            </a:endParaRPr>
-          </a:p>
-        </p:txBody>
-      </p:sp>
+      <p:pic>
+        <p:nvPicPr>
+          <p:cNvPr id="166" name="" descr=""/>
+          <p:cNvPicPr/>
+          <p:nvPr/>
+        </p:nvPicPr>
+        <p:blipFill>
+          <a:blip r:embed="rId1"/>
+          <a:stretch/>
+        </p:blipFill>
+        <p:spPr>
+          <a:xfrm>
+            <a:off x="837720" y="1205280"/>
+            <a:ext cx="10514520" cy="4064760"/>
+          </a:xfrm>
+          <a:prstGeom prst="rect">
+            <a:avLst/>
+          </a:prstGeom>
+          <a:ln w="0">
+            <a:noFill/>
+          </a:ln>
+        </p:spPr>
+      </p:pic>
     </p:spTree>
   </p:cSld>
   <mc:AlternateContent>
